--- a/Settings/display/BannerEditor.pptx
+++ b/Settings/display/BannerEditor.pptx
@@ -5,12 +5,16 @@
     <p:sldMasterId id="2147483720" r:id="rId1"/>
   </p:sldMasterIdLst>
   <p:notesMasterIdLst>
-    <p:notesMasterId r:id="rId5"/>
+    <p:notesMasterId r:id="rId9"/>
   </p:notesMasterIdLst>
   <p:sldIdLst>
     <p:sldId id="256" r:id="rId2"/>
     <p:sldId id="257" r:id="rId3"/>
     <p:sldId id="258" r:id="rId4"/>
+    <p:sldId id="259" r:id="rId5"/>
+    <p:sldId id="260" r:id="rId6"/>
+    <p:sldId id="261" r:id="rId7"/>
+    <p:sldId id="262" r:id="rId8"/>
   </p:sldIdLst>
   <p:sldSz cx="9753600" cy="2438400"/>
   <p:notesSz cx="6858000" cy="9144000"/>
@@ -118,9 +122,21 @@
             <p14:sldId id="257"/>
           </p14:sldIdLst>
         </p14:section>
-        <p14:section name="Yours" id="{5CE253BE-7F84-471B-ACBF-285DF769B89B}">
+        <p14:section name="简体中文" id="{5CE253BE-7F84-471B-ACBF-285DF769B89B}">
           <p14:sldIdLst>
             <p14:sldId id="258"/>
+            <p14:sldId id="259"/>
+          </p14:sldIdLst>
+        </p14:section>
+        <p14:section name="繁體中文" id="{0C5A6D36-5847-497A-9669-B8D314462219}">
+          <p14:sldIdLst>
+            <p14:sldId id="260"/>
+            <p14:sldId id="261"/>
+          </p14:sldIdLst>
+        </p14:section>
+        <p14:section name="Custom" id="{A8A43CE2-CD4F-4711-8B56-8F606F1A5023}">
+          <p14:sldIdLst>
+            <p14:sldId id="262"/>
           </p14:sldIdLst>
         </p14:section>
       </p14:sectionLst>
@@ -225,7 +241,7 @@
           <a:p>
             <a:fld id="{9DD5E86F-669D-49E0-867C-8AEF6AA86C48}" type="datetimeFigureOut">
               <a:rPr lang="zh-CN" altLang="en-US" smtClean="0"/>
-              <a:t>2023-5-7</a:t>
+              <a:t>2023-5-10</a:t>
             </a:fld>
             <a:endParaRPr lang="zh-CN" altLang="en-US"/>
           </a:p>
@@ -756,6 +772,358 @@
 </p:notes>
 </file>
 
+<file path=ppt/notesSlides/notesSlide4.xml><?xml version="1.0" encoding="utf-8"?>
+<p:notes xmlns:a="http://schemas.openxmlformats.org/drawingml/2006/main" xmlns:r="http://schemas.openxmlformats.org/officeDocument/2006/relationships" xmlns:p="http://schemas.openxmlformats.org/presentationml/2006/main">
+  <p:cSld>
+    <p:spTree>
+      <p:nvGrpSpPr>
+        <p:cNvPr id="1" name=""/>
+        <p:cNvGrpSpPr/>
+        <p:nvPr/>
+      </p:nvGrpSpPr>
+      <p:grpSpPr>
+        <a:xfrm>
+          <a:off x="0" y="0"/>
+          <a:ext cx="0" cy="0"/>
+          <a:chOff x="0" y="0"/>
+          <a:chExt cx="0" cy="0"/>
+        </a:xfrm>
+      </p:grpSpPr>
+      <p:sp>
+        <p:nvSpPr>
+          <p:cNvPr id="2" name="幻灯片图像占位符 1"/>
+          <p:cNvSpPr>
+            <a:spLocks noGrp="1" noRot="1" noChangeAspect="1"/>
+          </p:cNvSpPr>
+          <p:nvPr>
+            <p:ph type="sldImg"/>
+          </p:nvPr>
+        </p:nvSpPr>
+        <p:spPr/>
+      </p:sp>
+      <p:sp>
+        <p:nvSpPr>
+          <p:cNvPr id="3" name="备注占位符 2"/>
+          <p:cNvSpPr>
+            <a:spLocks noGrp="1"/>
+          </p:cNvSpPr>
+          <p:nvPr>
+            <p:ph type="body" idx="1"/>
+          </p:nvPr>
+        </p:nvSpPr>
+        <p:spPr/>
+        <p:txBody>
+          <a:bodyPr/>
+          <a:lstStyle/>
+          <a:p>
+            <a:r>
+              <a:rPr lang="en-US" altLang="zh-CN" dirty="0"/>
+              <a:t>M.L.P</a:t>
+            </a:r>
+            <a:endParaRPr lang="zh-CN" altLang="en-US" dirty="0"/>
+          </a:p>
+        </p:txBody>
+      </p:sp>
+      <p:sp>
+        <p:nvSpPr>
+          <p:cNvPr id="4" name="灯片编号占位符 3"/>
+          <p:cNvSpPr>
+            <a:spLocks noGrp="1"/>
+          </p:cNvSpPr>
+          <p:nvPr>
+            <p:ph type="sldNum" sz="quarter" idx="5"/>
+          </p:nvPr>
+        </p:nvSpPr>
+        <p:spPr/>
+        <p:txBody>
+          <a:bodyPr/>
+          <a:lstStyle/>
+          <a:p>
+            <a:fld id="{A6F609AF-2AD0-4CB3-B434-148F18EC37C8}" type="slidenum">
+              <a:rPr lang="zh-CN" altLang="en-US" smtClean="0"/>
+              <a:t>4</a:t>
+            </a:fld>
+            <a:endParaRPr lang="zh-CN" altLang="en-US"/>
+          </a:p>
+        </p:txBody>
+      </p:sp>
+    </p:spTree>
+    <p:extLst>
+      <p:ext uri="{BB962C8B-B14F-4D97-AF65-F5344CB8AC3E}">
+        <p14:creationId xmlns:p14="http://schemas.microsoft.com/office/powerpoint/2010/main" val="698825266"/>
+      </p:ext>
+    </p:extLst>
+  </p:cSld>
+  <p:clrMapOvr>
+    <a:masterClrMapping/>
+  </p:clrMapOvr>
+</p:notes>
+</file>
+
+<file path=ppt/notesSlides/notesSlide5.xml><?xml version="1.0" encoding="utf-8"?>
+<p:notes xmlns:a="http://schemas.openxmlformats.org/drawingml/2006/main" xmlns:r="http://schemas.openxmlformats.org/officeDocument/2006/relationships" xmlns:p="http://schemas.openxmlformats.org/presentationml/2006/main">
+  <p:cSld>
+    <p:spTree>
+      <p:nvGrpSpPr>
+        <p:cNvPr id="1" name=""/>
+        <p:cNvGrpSpPr/>
+        <p:nvPr/>
+      </p:nvGrpSpPr>
+      <p:grpSpPr>
+        <a:xfrm>
+          <a:off x="0" y="0"/>
+          <a:ext cx="0" cy="0"/>
+          <a:chOff x="0" y="0"/>
+          <a:chExt cx="0" cy="0"/>
+        </a:xfrm>
+      </p:grpSpPr>
+      <p:sp>
+        <p:nvSpPr>
+          <p:cNvPr id="2" name="幻灯片图像占位符 1"/>
+          <p:cNvSpPr>
+            <a:spLocks noGrp="1" noRot="1" noChangeAspect="1"/>
+          </p:cNvSpPr>
+          <p:nvPr>
+            <p:ph type="sldImg"/>
+          </p:nvPr>
+        </p:nvSpPr>
+        <p:spPr/>
+      </p:sp>
+      <p:sp>
+        <p:nvSpPr>
+          <p:cNvPr id="3" name="备注占位符 2"/>
+          <p:cNvSpPr>
+            <a:spLocks noGrp="1"/>
+          </p:cNvSpPr>
+          <p:nvPr>
+            <p:ph type="body" idx="1"/>
+          </p:nvPr>
+        </p:nvSpPr>
+        <p:spPr/>
+        <p:txBody>
+          <a:bodyPr/>
+          <a:lstStyle/>
+          <a:p>
+            <a:r>
+              <a:rPr lang="en-US" altLang="zh-CN" dirty="0"/>
+              <a:t>Yours</a:t>
+            </a:r>
+            <a:endParaRPr lang="zh-CN" altLang="en-US" dirty="0"/>
+          </a:p>
+        </p:txBody>
+      </p:sp>
+      <p:sp>
+        <p:nvSpPr>
+          <p:cNvPr id="4" name="灯片编号占位符 3"/>
+          <p:cNvSpPr>
+            <a:spLocks noGrp="1"/>
+          </p:cNvSpPr>
+          <p:nvPr>
+            <p:ph type="sldNum" sz="quarter" idx="5"/>
+          </p:nvPr>
+        </p:nvSpPr>
+        <p:spPr/>
+        <p:txBody>
+          <a:bodyPr/>
+          <a:lstStyle/>
+          <a:p>
+            <a:fld id="{A6F609AF-2AD0-4CB3-B434-148F18EC37C8}" type="slidenum">
+              <a:rPr lang="zh-CN" altLang="en-US" smtClean="0"/>
+              <a:t>5</a:t>
+            </a:fld>
+            <a:endParaRPr lang="zh-CN" altLang="en-US"/>
+          </a:p>
+        </p:txBody>
+      </p:sp>
+    </p:spTree>
+    <p:extLst>
+      <p:ext uri="{BB962C8B-B14F-4D97-AF65-F5344CB8AC3E}">
+        <p14:creationId xmlns:p14="http://schemas.microsoft.com/office/powerpoint/2010/main" val="3530142839"/>
+      </p:ext>
+    </p:extLst>
+  </p:cSld>
+  <p:clrMapOvr>
+    <a:masterClrMapping/>
+  </p:clrMapOvr>
+</p:notes>
+</file>
+
+<file path=ppt/notesSlides/notesSlide6.xml><?xml version="1.0" encoding="utf-8"?>
+<p:notes xmlns:a="http://schemas.openxmlformats.org/drawingml/2006/main" xmlns:r="http://schemas.openxmlformats.org/officeDocument/2006/relationships" xmlns:p="http://schemas.openxmlformats.org/presentationml/2006/main">
+  <p:cSld>
+    <p:spTree>
+      <p:nvGrpSpPr>
+        <p:cNvPr id="1" name=""/>
+        <p:cNvGrpSpPr/>
+        <p:nvPr/>
+      </p:nvGrpSpPr>
+      <p:grpSpPr>
+        <a:xfrm>
+          <a:off x="0" y="0"/>
+          <a:ext cx="0" cy="0"/>
+          <a:chOff x="0" y="0"/>
+          <a:chExt cx="0" cy="0"/>
+        </a:xfrm>
+      </p:grpSpPr>
+      <p:sp>
+        <p:nvSpPr>
+          <p:cNvPr id="2" name="幻灯片图像占位符 1"/>
+          <p:cNvSpPr>
+            <a:spLocks noGrp="1" noRot="1" noChangeAspect="1"/>
+          </p:cNvSpPr>
+          <p:nvPr>
+            <p:ph type="sldImg"/>
+          </p:nvPr>
+        </p:nvSpPr>
+        <p:spPr/>
+      </p:sp>
+      <p:sp>
+        <p:nvSpPr>
+          <p:cNvPr id="3" name="备注占位符 2"/>
+          <p:cNvSpPr>
+            <a:spLocks noGrp="1"/>
+          </p:cNvSpPr>
+          <p:nvPr>
+            <p:ph type="body" idx="1"/>
+          </p:nvPr>
+        </p:nvSpPr>
+        <p:spPr/>
+        <p:txBody>
+          <a:bodyPr/>
+          <a:lstStyle/>
+          <a:p>
+            <a:r>
+              <a:rPr lang="en-US" altLang="zh-CN" dirty="0"/>
+              <a:t>M.L.P</a:t>
+            </a:r>
+            <a:endParaRPr lang="zh-CN" altLang="en-US" dirty="0"/>
+          </a:p>
+        </p:txBody>
+      </p:sp>
+      <p:sp>
+        <p:nvSpPr>
+          <p:cNvPr id="4" name="灯片编号占位符 3"/>
+          <p:cNvSpPr>
+            <a:spLocks noGrp="1"/>
+          </p:cNvSpPr>
+          <p:nvPr>
+            <p:ph type="sldNum" sz="quarter" idx="5"/>
+          </p:nvPr>
+        </p:nvSpPr>
+        <p:spPr/>
+        <p:txBody>
+          <a:bodyPr/>
+          <a:lstStyle/>
+          <a:p>
+            <a:fld id="{A6F609AF-2AD0-4CB3-B434-148F18EC37C8}" type="slidenum">
+              <a:rPr lang="zh-CN" altLang="en-US" smtClean="0"/>
+              <a:t>6</a:t>
+            </a:fld>
+            <a:endParaRPr lang="zh-CN" altLang="en-US"/>
+          </a:p>
+        </p:txBody>
+      </p:sp>
+    </p:spTree>
+    <p:extLst>
+      <p:ext uri="{BB962C8B-B14F-4D97-AF65-F5344CB8AC3E}">
+        <p14:creationId xmlns:p14="http://schemas.microsoft.com/office/powerpoint/2010/main" val="3959155892"/>
+      </p:ext>
+    </p:extLst>
+  </p:cSld>
+  <p:clrMapOvr>
+    <a:masterClrMapping/>
+  </p:clrMapOvr>
+</p:notes>
+</file>
+
+<file path=ppt/notesSlides/notesSlide7.xml><?xml version="1.0" encoding="utf-8"?>
+<p:notes xmlns:a="http://schemas.openxmlformats.org/drawingml/2006/main" xmlns:r="http://schemas.openxmlformats.org/officeDocument/2006/relationships" xmlns:p="http://schemas.openxmlformats.org/presentationml/2006/main">
+  <p:cSld>
+    <p:spTree>
+      <p:nvGrpSpPr>
+        <p:cNvPr id="1" name=""/>
+        <p:cNvGrpSpPr/>
+        <p:nvPr/>
+      </p:nvGrpSpPr>
+      <p:grpSpPr>
+        <a:xfrm>
+          <a:off x="0" y="0"/>
+          <a:ext cx="0" cy="0"/>
+          <a:chOff x="0" y="0"/>
+          <a:chExt cx="0" cy="0"/>
+        </a:xfrm>
+      </p:grpSpPr>
+      <p:sp>
+        <p:nvSpPr>
+          <p:cNvPr id="2" name="幻灯片图像占位符 1"/>
+          <p:cNvSpPr>
+            <a:spLocks noGrp="1" noRot="1" noChangeAspect="1"/>
+          </p:cNvSpPr>
+          <p:nvPr>
+            <p:ph type="sldImg"/>
+          </p:nvPr>
+        </p:nvSpPr>
+        <p:spPr/>
+      </p:sp>
+      <p:sp>
+        <p:nvSpPr>
+          <p:cNvPr id="3" name="备注占位符 2"/>
+          <p:cNvSpPr>
+            <a:spLocks noGrp="1"/>
+          </p:cNvSpPr>
+          <p:nvPr>
+            <p:ph type="body" idx="1"/>
+          </p:nvPr>
+        </p:nvSpPr>
+        <p:spPr/>
+        <p:txBody>
+          <a:bodyPr/>
+          <a:lstStyle/>
+          <a:p>
+            <a:r>
+              <a:rPr lang="en-US" altLang="zh-CN" dirty="0" err="1"/>
+              <a:t>BannerEditor</a:t>
+            </a:r>
+            <a:endParaRPr lang="zh-CN" altLang="en-US" dirty="0"/>
+          </a:p>
+        </p:txBody>
+      </p:sp>
+      <p:sp>
+        <p:nvSpPr>
+          <p:cNvPr id="4" name="灯片编号占位符 3"/>
+          <p:cNvSpPr>
+            <a:spLocks noGrp="1"/>
+          </p:cNvSpPr>
+          <p:nvPr>
+            <p:ph type="sldNum" sz="quarter" idx="5"/>
+          </p:nvPr>
+        </p:nvSpPr>
+        <p:spPr/>
+        <p:txBody>
+          <a:bodyPr/>
+          <a:lstStyle/>
+          <a:p>
+            <a:fld id="{A6F609AF-2AD0-4CB3-B434-148F18EC37C8}" type="slidenum">
+              <a:rPr lang="zh-CN" altLang="en-US" smtClean="0"/>
+              <a:t>7</a:t>
+            </a:fld>
+            <a:endParaRPr lang="zh-CN" altLang="en-US"/>
+          </a:p>
+        </p:txBody>
+      </p:sp>
+    </p:spTree>
+    <p:extLst>
+      <p:ext uri="{BB962C8B-B14F-4D97-AF65-F5344CB8AC3E}">
+        <p14:creationId xmlns:p14="http://schemas.microsoft.com/office/powerpoint/2010/main" val="482637378"/>
+      </p:ext>
+    </p:extLst>
+  </p:cSld>
+  <p:clrMapOvr>
+    <a:masterClrMapping/>
+  </p:clrMapOvr>
+</p:notes>
+</file>
+
 <file path=ppt/slideLayouts/slideLayout1.xml><?xml version="1.0" encoding="utf-8"?>
 <p:sldLayout xmlns:a="http://schemas.openxmlformats.org/drawingml/2006/main" xmlns:r="http://schemas.openxmlformats.org/officeDocument/2006/relationships" xmlns:p="http://schemas.openxmlformats.org/presentationml/2006/main" type="title" preserve="1">
   <p:cSld name="标题幻灯片">
@@ -887,7 +1255,7 @@
           <a:p>
             <a:fld id="{C07FA1C5-4E88-460E-ADE5-BF3AC8D5E403}" type="datetimeFigureOut">
               <a:rPr lang="zh-CN" altLang="en-US" smtClean="0"/>
-              <a:t>2023-5-7</a:t>
+              <a:t>2023-5-10</a:t>
             </a:fld>
             <a:endParaRPr lang="zh-CN" altLang="en-US"/>
           </a:p>
@@ -1057,7 +1425,7 @@
           <a:p>
             <a:fld id="{C07FA1C5-4E88-460E-ADE5-BF3AC8D5E403}" type="datetimeFigureOut">
               <a:rPr lang="zh-CN" altLang="en-US" smtClean="0"/>
-              <a:t>2023-5-7</a:t>
+              <a:t>2023-5-10</a:t>
             </a:fld>
             <a:endParaRPr lang="zh-CN" altLang="en-US"/>
           </a:p>
@@ -1237,7 +1605,7 @@
           <a:p>
             <a:fld id="{C07FA1C5-4E88-460E-ADE5-BF3AC8D5E403}" type="datetimeFigureOut">
               <a:rPr lang="zh-CN" altLang="en-US" smtClean="0"/>
-              <a:t>2023-5-7</a:t>
+              <a:t>2023-5-10</a:t>
             </a:fld>
             <a:endParaRPr lang="zh-CN" altLang="en-US"/>
           </a:p>
@@ -1407,7 +1775,7 @@
           <a:p>
             <a:fld id="{C07FA1C5-4E88-460E-ADE5-BF3AC8D5E403}" type="datetimeFigureOut">
               <a:rPr lang="zh-CN" altLang="en-US" smtClean="0"/>
-              <a:t>2023-5-7</a:t>
+              <a:t>2023-5-10</a:t>
             </a:fld>
             <a:endParaRPr lang="zh-CN" altLang="en-US"/>
           </a:p>
@@ -1653,7 +2021,7 @@
           <a:p>
             <a:fld id="{C07FA1C5-4E88-460E-ADE5-BF3AC8D5E403}" type="datetimeFigureOut">
               <a:rPr lang="zh-CN" altLang="en-US" smtClean="0"/>
-              <a:t>2023-5-7</a:t>
+              <a:t>2023-5-10</a:t>
             </a:fld>
             <a:endParaRPr lang="zh-CN" altLang="en-US"/>
           </a:p>
@@ -1885,7 +2253,7 @@
           <a:p>
             <a:fld id="{C07FA1C5-4E88-460E-ADE5-BF3AC8D5E403}" type="datetimeFigureOut">
               <a:rPr lang="zh-CN" altLang="en-US" smtClean="0"/>
-              <a:t>2023-5-7</a:t>
+              <a:t>2023-5-10</a:t>
             </a:fld>
             <a:endParaRPr lang="zh-CN" altLang="en-US"/>
           </a:p>
@@ -2252,7 +2620,7 @@
           <a:p>
             <a:fld id="{C07FA1C5-4E88-460E-ADE5-BF3AC8D5E403}" type="datetimeFigureOut">
               <a:rPr lang="zh-CN" altLang="en-US" smtClean="0"/>
-              <a:t>2023-5-7</a:t>
+              <a:t>2023-5-10</a:t>
             </a:fld>
             <a:endParaRPr lang="zh-CN" altLang="en-US"/>
           </a:p>
@@ -2370,7 +2738,7 @@
           <a:p>
             <a:fld id="{C07FA1C5-4E88-460E-ADE5-BF3AC8D5E403}" type="datetimeFigureOut">
               <a:rPr lang="zh-CN" altLang="en-US" smtClean="0"/>
-              <a:t>2023-5-7</a:t>
+              <a:t>2023-5-10</a:t>
             </a:fld>
             <a:endParaRPr lang="zh-CN" altLang="en-US"/>
           </a:p>
@@ -2465,7 +2833,7 @@
           <a:p>
             <a:fld id="{C07FA1C5-4E88-460E-ADE5-BF3AC8D5E403}" type="datetimeFigureOut">
               <a:rPr lang="zh-CN" altLang="en-US" smtClean="0"/>
-              <a:t>2023-5-7</a:t>
+              <a:t>2023-5-10</a:t>
             </a:fld>
             <a:endParaRPr lang="zh-CN" altLang="en-US"/>
           </a:p>
@@ -2742,7 +3110,7 @@
           <a:p>
             <a:fld id="{C07FA1C5-4E88-460E-ADE5-BF3AC8D5E403}" type="datetimeFigureOut">
               <a:rPr lang="zh-CN" altLang="en-US" smtClean="0"/>
-              <a:t>2023-5-7</a:t>
+              <a:t>2023-5-10</a:t>
             </a:fld>
             <a:endParaRPr lang="zh-CN" altLang="en-US"/>
           </a:p>
@@ -2999,7 +3367,7 @@
           <a:p>
             <a:fld id="{C07FA1C5-4E88-460E-ADE5-BF3AC8D5E403}" type="datetimeFigureOut">
               <a:rPr lang="zh-CN" altLang="en-US" smtClean="0"/>
-              <a:t>2023-5-7</a:t>
+              <a:t>2023-5-10</a:t>
             </a:fld>
             <a:endParaRPr lang="zh-CN" altLang="en-US"/>
           </a:p>
@@ -3215,7 +3583,7 @@
           <a:p>
             <a:fld id="{C07FA1C5-4E88-460E-ADE5-BF3AC8D5E403}" type="datetimeFigureOut">
               <a:rPr lang="zh-CN" altLang="en-US" smtClean="0"/>
-              <a:t>2023-5-7</a:t>
+              <a:t>2023-5-10</a:t>
             </a:fld>
             <a:endParaRPr lang="zh-CN" altLang="en-US"/>
           </a:p>
@@ -3671,13 +4039,8 @@
                   <a:schemeClr val="tx1"/>
                 </a:solidFill>
               </a:rPr>
-              <a:t>profile</a:t>
-            </a:r>
-            <a:endParaRPr lang="zh-CN" altLang="en-US" sz="4400" dirty="0">
-              <a:solidFill>
-                <a:schemeClr val="tx1"/>
-              </a:solidFill>
-            </a:endParaRPr>
+              <a:t>Profile</a:t>
+            </a:r>
           </a:p>
         </p:txBody>
       </p:sp>
@@ -4494,6 +4857,1476 @@
           <a:p>
             <a:pPr algn="ctr"/>
             <a:r>
+              <a:rPr lang="zh-CN" altLang="en-US" sz="4400" dirty="0">
+                <a:solidFill>
+                  <a:schemeClr val="tx1"/>
+                </a:solidFill>
+              </a:rPr>
+              <a:t>头像</a:t>
+            </a:r>
+          </a:p>
+        </p:txBody>
+      </p:sp>
+      <p:pic>
+        <p:nvPicPr>
+          <p:cNvPr id="8" name="图片 7">
+            <a:extLst>
+              <a:ext uri="{FF2B5EF4-FFF2-40B4-BE49-F238E27FC236}">
+                <a16:creationId xmlns:a16="http://schemas.microsoft.com/office/drawing/2014/main" id="{6BFD7D43-879E-3AB9-1B60-56803EBADD4C}"/>
+              </a:ext>
+            </a:extLst>
+          </p:cNvPr>
+          <p:cNvPicPr>
+            <a:picLocks noChangeAspect="1"/>
+          </p:cNvPicPr>
+          <p:nvPr/>
+        </p:nvPicPr>
+        <p:blipFill rotWithShape="1">
+          <a:blip r:embed="rId3"/>
+          <a:srcRect l="3770" t="23990" r="2810" b="31240"/>
+          <a:stretch/>
+        </p:blipFill>
+        <p:spPr>
+          <a:xfrm>
+            <a:off x="0" y="0"/>
+            <a:ext cx="2762250" cy="139200"/>
+          </a:xfrm>
+          <a:prstGeom prst="rect">
+            <a:avLst/>
+          </a:prstGeom>
+        </p:spPr>
+      </p:pic>
+      <p:pic>
+        <p:nvPicPr>
+          <p:cNvPr id="9" name="图片 8">
+            <a:extLst>
+              <a:ext uri="{FF2B5EF4-FFF2-40B4-BE49-F238E27FC236}">
+                <a16:creationId xmlns:a16="http://schemas.microsoft.com/office/drawing/2014/main" id="{15FF3894-0F9C-8701-8B4F-DC1291258574}"/>
+              </a:ext>
+            </a:extLst>
+          </p:cNvPr>
+          <p:cNvPicPr>
+            <a:picLocks noChangeAspect="1"/>
+          </p:cNvPicPr>
+          <p:nvPr/>
+        </p:nvPicPr>
+        <p:blipFill rotWithShape="1">
+          <a:blip r:embed="rId4"/>
+          <a:srcRect l="15229" t="23478" r="14924" b="25445"/>
+          <a:stretch/>
+        </p:blipFill>
+        <p:spPr>
+          <a:xfrm>
+            <a:off x="8667751" y="-1"/>
+            <a:ext cx="1085850" cy="161925"/>
+          </a:xfrm>
+          <a:prstGeom prst="rect">
+            <a:avLst/>
+          </a:prstGeom>
+        </p:spPr>
+      </p:pic>
+      <p:grpSp>
+        <p:nvGrpSpPr>
+          <p:cNvPr id="2" name="组合 1">
+            <a:extLst>
+              <a:ext uri="{FF2B5EF4-FFF2-40B4-BE49-F238E27FC236}">
+                <a16:creationId xmlns:a16="http://schemas.microsoft.com/office/drawing/2014/main" id="{BFB91B1D-7513-F9C0-7803-B3C475F8A15F}"/>
+              </a:ext>
+            </a:extLst>
+          </p:cNvPr>
+          <p:cNvGrpSpPr/>
+          <p:nvPr/>
+        </p:nvGrpSpPr>
+        <p:grpSpPr>
+          <a:xfrm>
+            <a:off x="2440801" y="-1"/>
+            <a:ext cx="7172400" cy="2345805"/>
+            <a:chOff x="2440801" y="-1"/>
+            <a:chExt cx="7172400" cy="2345805"/>
+          </a:xfrm>
+        </p:grpSpPr>
+        <p:sp>
+          <p:nvSpPr>
+            <p:cNvPr id="5" name="矩形 4">
+              <a:extLst>
+                <a:ext uri="{FF2B5EF4-FFF2-40B4-BE49-F238E27FC236}">
+                  <a16:creationId xmlns:a16="http://schemas.microsoft.com/office/drawing/2014/main" id="{C7E85552-99D3-B392-9B82-78509D858DF0}"/>
+                </a:ext>
+              </a:extLst>
+            </p:cNvPr>
+            <p:cNvSpPr/>
+            <p:nvPr/>
+          </p:nvSpPr>
+          <p:spPr>
+            <a:xfrm>
+              <a:off x="2440801" y="1268582"/>
+              <a:ext cx="7172400" cy="1077222"/>
+            </a:xfrm>
+            <a:prstGeom prst="rect">
+              <a:avLst/>
+            </a:prstGeom>
+            <a:noFill/>
+          </p:spPr>
+          <p:txBody>
+            <a:bodyPr wrap="square" lIns="60959" tIns="30482" rIns="60959" bIns="30482">
+              <a:spAutoFit/>
+            </a:bodyPr>
+            <a:lstStyle/>
+            <a:p>
+              <a:pPr algn="ctr"/>
+              <a:r>
+                <a:rPr lang="zh-CN" altLang="en-US" sz="6600" dirty="0">
+                  <a:ln w="0"/>
+                  <a:effectLst>
+                    <a:outerShdw blurRad="38100" dist="19050" dir="2700000" algn="tl" rotWithShape="0">
+                      <a:schemeClr val="dk1">
+                        <a:alpha val="40000"/>
+                      </a:schemeClr>
+                    </a:outerShdw>
+                  </a:effectLst>
+                  <a:latin typeface="微软雅黑" panose="020B0503020204020204" pitchFamily="34" charset="-122"/>
+                  <a:ea typeface="微软雅黑" panose="020B0503020204020204" pitchFamily="34" charset="-122"/>
+                </a:rPr>
+                <a:t>设备名称或型号</a:t>
+              </a:r>
+              <a:endParaRPr lang="zh-CN" altLang="en-US" sz="6600" i="1" dirty="0">
+                <a:ln w="0"/>
+                <a:effectLst>
+                  <a:outerShdw blurRad="38100" dist="19050" dir="2700000" algn="tl" rotWithShape="0">
+                    <a:schemeClr val="dk1">
+                      <a:alpha val="40000"/>
+                    </a:schemeClr>
+                  </a:outerShdw>
+                </a:effectLst>
+                <a:latin typeface="微软雅黑" panose="020B0503020204020204" pitchFamily="34" charset="-122"/>
+                <a:ea typeface="微软雅黑" panose="020B0503020204020204" pitchFamily="34" charset="-122"/>
+              </a:endParaRPr>
+            </a:p>
+          </p:txBody>
+        </p:sp>
+        <p:sp>
+          <p:nvSpPr>
+            <p:cNvPr id="6" name="文本框 5">
+              <a:extLst>
+                <a:ext uri="{FF2B5EF4-FFF2-40B4-BE49-F238E27FC236}">
+                  <a16:creationId xmlns:a16="http://schemas.microsoft.com/office/drawing/2014/main" id="{DCF100E5-4FB5-FE04-46BC-DE53A7ED69D9}"/>
+                </a:ext>
+              </a:extLst>
+            </p:cNvPr>
+            <p:cNvSpPr txBox="1"/>
+            <p:nvPr/>
+          </p:nvSpPr>
+          <p:spPr>
+            <a:xfrm>
+              <a:off x="2440801" y="-1"/>
+              <a:ext cx="7172400" cy="1200329"/>
+            </a:xfrm>
+            <a:prstGeom prst="rect">
+              <a:avLst/>
+            </a:prstGeom>
+            <a:noFill/>
+          </p:spPr>
+          <p:txBody>
+            <a:bodyPr wrap="square">
+              <a:spAutoFit/>
+            </a:bodyPr>
+            <a:lstStyle/>
+            <a:p>
+              <a:pPr algn="ctr"/>
+              <a:r>
+                <a:rPr lang="zh-CN" altLang="en-US" sz="7200" dirty="0">
+                  <a:ln w="0"/>
+                  <a:effectLst>
+                    <a:outerShdw blurRad="38100" dist="19050" dir="2700000" algn="tl" rotWithShape="0">
+                      <a:schemeClr val="dk1">
+                        <a:alpha val="40000"/>
+                      </a:schemeClr>
+                    </a:outerShdw>
+                  </a:effectLst>
+                  <a:latin typeface="汉仪小隶书简" panose="02010609000101010101" pitchFamily="49" charset="-122"/>
+                  <a:ea typeface="汉仪小隶书简" panose="02010609000101010101" pitchFamily="49" charset="-122"/>
+                </a:rPr>
+                <a:t>姓名或昵称</a:t>
+              </a:r>
+              <a:endParaRPr lang="zh-CN" altLang="en-US" sz="7200" dirty="0">
+                <a:latin typeface="汉仪小隶书简" panose="02010609000101010101" pitchFamily="49" charset="-122"/>
+                <a:ea typeface="汉仪小隶书简" panose="02010609000101010101" pitchFamily="49" charset="-122"/>
+              </a:endParaRPr>
+            </a:p>
+          </p:txBody>
+        </p:sp>
+        <p:pic>
+          <p:nvPicPr>
+            <p:cNvPr id="7" name="图片 6">
+              <a:extLst>
+                <a:ext uri="{FF2B5EF4-FFF2-40B4-BE49-F238E27FC236}">
+                  <a16:creationId xmlns:a16="http://schemas.microsoft.com/office/drawing/2014/main" id="{1F28957D-7291-A5A1-4B3D-E66EB25E3E03}"/>
+                </a:ext>
+              </a:extLst>
+            </p:cNvPr>
+            <p:cNvPicPr>
+              <a:picLocks noChangeAspect="1"/>
+            </p:cNvPicPr>
+            <p:nvPr/>
+          </p:nvPicPr>
+          <p:blipFill>
+            <a:blip r:embed="rId5"/>
+            <a:stretch>
+              <a:fillRect/>
+            </a:stretch>
+          </p:blipFill>
+          <p:spPr>
+            <a:xfrm>
+              <a:off x="5380769" y="649784"/>
+              <a:ext cx="1292464" cy="1237595"/>
+            </a:xfrm>
+            <a:prstGeom prst="rect">
+              <a:avLst/>
+            </a:prstGeom>
+          </p:spPr>
+        </p:pic>
+      </p:grpSp>
+      <p:sp>
+        <p:nvSpPr>
+          <p:cNvPr id="10" name="文本框 9">
+            <a:extLst>
+              <a:ext uri="{FF2B5EF4-FFF2-40B4-BE49-F238E27FC236}">
+                <a16:creationId xmlns:a16="http://schemas.microsoft.com/office/drawing/2014/main" id="{8B9333DF-E792-31FF-D522-A3A50F0902B6}"/>
+              </a:ext>
+            </a:extLst>
+          </p:cNvPr>
+          <p:cNvSpPr txBox="1"/>
+          <p:nvPr/>
+        </p:nvSpPr>
+        <p:spPr>
+          <a:xfrm>
+            <a:off x="2762251" y="-1725702"/>
+            <a:ext cx="720000" cy="720000"/>
+          </a:xfrm>
+          <a:prstGeom prst="rect">
+            <a:avLst/>
+          </a:prstGeom>
+          <a:noFill/>
+        </p:spPr>
+        <p:txBody>
+          <a:bodyPr wrap="square">
+            <a:spAutoFit/>
+          </a:bodyPr>
+          <a:lstStyle/>
+          <a:p>
+            <a:pPr algn="ctr"/>
+            <a:r>
+              <a:rPr lang="zh-CN" altLang="en-US" sz="4400" dirty="0">
+                <a:ln w="0"/>
+                <a:solidFill>
+                  <a:srgbClr val="006BC6"/>
+                </a:solidFill>
+                <a:effectLst>
+                  <a:outerShdw blurRad="38100" dist="19050" dir="2700000" algn="tl" rotWithShape="0">
+                    <a:schemeClr val="dk1">
+                      <a:alpha val="40000"/>
+                    </a:schemeClr>
+                  </a:outerShdw>
+                </a:effectLst>
+                <a:latin typeface="宋体" panose="02010600030101010101" pitchFamily="2" charset="-122"/>
+                <a:ea typeface="宋体" panose="02010600030101010101" pitchFamily="2" charset="-122"/>
+              </a:rPr>
+              <a:t>的</a:t>
+            </a:r>
+            <a:endParaRPr lang="zh-CN" altLang="en-US" sz="4400" dirty="0">
+              <a:latin typeface="宋体" panose="02010600030101010101" pitchFamily="2" charset="-122"/>
+              <a:ea typeface="宋体" panose="02010600030101010101" pitchFamily="2" charset="-122"/>
+            </a:endParaRPr>
+          </a:p>
+        </p:txBody>
+      </p:sp>
+    </p:spTree>
+    <p:extLst>
+      <p:ext uri="{BB962C8B-B14F-4D97-AF65-F5344CB8AC3E}">
+        <p14:creationId xmlns:p14="http://schemas.microsoft.com/office/powerpoint/2010/main" val="4216610452"/>
+      </p:ext>
+    </p:extLst>
+  </p:cSld>
+  <p:clrMapOvr>
+    <a:masterClrMapping/>
+  </p:clrMapOvr>
+</p:sld>
+</file>
+
+<file path=ppt/slides/slide4.xml><?xml version="1.0" encoding="utf-8"?>
+<p:sld xmlns:a="http://schemas.openxmlformats.org/drawingml/2006/main" xmlns:r="http://schemas.openxmlformats.org/officeDocument/2006/relationships" xmlns:p="http://schemas.openxmlformats.org/presentationml/2006/main">
+  <p:cSld>
+    <p:spTree>
+      <p:nvGrpSpPr>
+        <p:cNvPr id="1" name=""/>
+        <p:cNvGrpSpPr/>
+        <p:nvPr/>
+      </p:nvGrpSpPr>
+      <p:grpSpPr>
+        <a:xfrm>
+          <a:off x="0" y="0"/>
+          <a:ext cx="0" cy="0"/>
+          <a:chOff x="0" y="0"/>
+          <a:chExt cx="0" cy="0"/>
+        </a:xfrm>
+      </p:grpSpPr>
+      <p:sp>
+        <p:nvSpPr>
+          <p:cNvPr id="4" name="矩形 3">
+            <a:extLst>
+              <a:ext uri="{FF2B5EF4-FFF2-40B4-BE49-F238E27FC236}">
+                <a16:creationId xmlns:a16="http://schemas.microsoft.com/office/drawing/2014/main" id="{04D5A55C-26D4-4987-B350-B44AC750FD89}"/>
+              </a:ext>
+            </a:extLst>
+          </p:cNvPr>
+          <p:cNvSpPr>
+            <a:spLocks noChangeAspect="1"/>
+          </p:cNvSpPr>
+          <p:nvPr/>
+        </p:nvSpPr>
+        <p:spPr>
+          <a:xfrm>
+            <a:off x="140400" y="139200"/>
+            <a:ext cx="2160000" cy="2160000"/>
+          </a:xfrm>
+          <a:prstGeom prst="rect">
+            <a:avLst/>
+          </a:prstGeom>
+          <a:noFill/>
+        </p:spPr>
+        <p:style>
+          <a:lnRef idx="2">
+            <a:schemeClr val="accent1">
+              <a:shade val="50000"/>
+            </a:schemeClr>
+          </a:lnRef>
+          <a:fillRef idx="1">
+            <a:schemeClr val="accent1"/>
+          </a:fillRef>
+          <a:effectRef idx="0">
+            <a:schemeClr val="accent1"/>
+          </a:effectRef>
+          <a:fontRef idx="minor">
+            <a:schemeClr val="lt1"/>
+          </a:fontRef>
+        </p:style>
+        <p:txBody>
+          <a:bodyPr rtlCol="0" anchor="ctr"/>
+          <a:lstStyle/>
+          <a:p>
+            <a:pPr algn="ctr"/>
+            <a:r>
+              <a:rPr lang="en-US" altLang="zh-CN" sz="4400" dirty="0">
+                <a:solidFill>
+                  <a:schemeClr val="tx1"/>
+                </a:solidFill>
+              </a:rPr>
+              <a:t>profile</a:t>
+            </a:r>
+            <a:endParaRPr lang="zh-CN" altLang="en-US" sz="4400" dirty="0">
+              <a:solidFill>
+                <a:schemeClr val="tx1"/>
+              </a:solidFill>
+            </a:endParaRPr>
+          </a:p>
+        </p:txBody>
+      </p:sp>
+      <p:pic>
+        <p:nvPicPr>
+          <p:cNvPr id="8" name="图片 7">
+            <a:extLst>
+              <a:ext uri="{FF2B5EF4-FFF2-40B4-BE49-F238E27FC236}">
+                <a16:creationId xmlns:a16="http://schemas.microsoft.com/office/drawing/2014/main" id="{6BFD7D43-879E-3AB9-1B60-56803EBADD4C}"/>
+              </a:ext>
+            </a:extLst>
+          </p:cNvPr>
+          <p:cNvPicPr>
+            <a:picLocks noChangeAspect="1"/>
+          </p:cNvPicPr>
+          <p:nvPr/>
+        </p:nvPicPr>
+        <p:blipFill rotWithShape="1">
+          <a:blip r:embed="rId3"/>
+          <a:srcRect l="3770" t="23990" r="2810" b="31240"/>
+          <a:stretch/>
+        </p:blipFill>
+        <p:spPr>
+          <a:xfrm>
+            <a:off x="0" y="0"/>
+            <a:ext cx="2762250" cy="139200"/>
+          </a:xfrm>
+          <a:prstGeom prst="rect">
+            <a:avLst/>
+          </a:prstGeom>
+        </p:spPr>
+      </p:pic>
+      <p:pic>
+        <p:nvPicPr>
+          <p:cNvPr id="9" name="图片 8">
+            <a:extLst>
+              <a:ext uri="{FF2B5EF4-FFF2-40B4-BE49-F238E27FC236}">
+                <a16:creationId xmlns:a16="http://schemas.microsoft.com/office/drawing/2014/main" id="{15FF3894-0F9C-8701-8B4F-DC1291258574}"/>
+              </a:ext>
+            </a:extLst>
+          </p:cNvPr>
+          <p:cNvPicPr>
+            <a:picLocks noChangeAspect="1"/>
+          </p:cNvPicPr>
+          <p:nvPr/>
+        </p:nvPicPr>
+        <p:blipFill rotWithShape="1">
+          <a:blip r:embed="rId4"/>
+          <a:srcRect l="15229" t="23478" r="14924" b="25445"/>
+          <a:stretch/>
+        </p:blipFill>
+        <p:spPr>
+          <a:xfrm>
+            <a:off x="8667751" y="-1"/>
+            <a:ext cx="1085850" cy="161925"/>
+          </a:xfrm>
+          <a:prstGeom prst="rect">
+            <a:avLst/>
+          </a:prstGeom>
+        </p:spPr>
+      </p:pic>
+      <p:pic>
+        <p:nvPicPr>
+          <p:cNvPr id="11" name="图片 10">
+            <a:extLst>
+              <a:ext uri="{FF2B5EF4-FFF2-40B4-BE49-F238E27FC236}">
+                <a16:creationId xmlns:a16="http://schemas.microsoft.com/office/drawing/2014/main" id="{FBDFD17D-7827-BF91-560A-5A37B808265A}"/>
+              </a:ext>
+            </a:extLst>
+          </p:cNvPr>
+          <p:cNvPicPr>
+            <a:picLocks noChangeAspect="1"/>
+          </p:cNvPicPr>
+          <p:nvPr/>
+        </p:nvPicPr>
+        <p:blipFill>
+          <a:blip r:embed="rId5">
+            <a:extLst>
+              <a:ext uri="{28A0092B-C50C-407E-A947-70E740481C1C}">
+                <a14:useLocalDpi xmlns:a14="http://schemas.microsoft.com/office/drawing/2010/main" val="0"/>
+              </a:ext>
+            </a:extLst>
+          </a:blip>
+          <a:stretch>
+            <a:fillRect/>
+          </a:stretch>
+        </p:blipFill>
+        <p:spPr>
+          <a:xfrm>
+            <a:off x="140399" y="161924"/>
+            <a:ext cx="2160000" cy="2160000"/>
+          </a:xfrm>
+          <a:prstGeom prst="rect">
+            <a:avLst/>
+          </a:prstGeom>
+          <a:solidFill>
+            <a:srgbClr val="FFFFFF">
+              <a:shade val="85000"/>
+            </a:srgbClr>
+          </a:solidFill>
+          <a:ln w="88900" cap="sq">
+            <a:solidFill>
+              <a:srgbClr val="FFFFFF"/>
+            </a:solidFill>
+            <a:miter lim="800000"/>
+          </a:ln>
+          <a:effectLst>
+            <a:outerShdw blurRad="55000" dist="18000" dir="5400000" algn="tl" rotWithShape="0">
+              <a:srgbClr val="000000">
+                <a:alpha val="40000"/>
+              </a:srgbClr>
+            </a:outerShdw>
+          </a:effectLst>
+          <a:scene3d>
+            <a:camera prst="orthographicFront"/>
+            <a:lightRig rig="twoPt" dir="t">
+              <a:rot lat="0" lon="0" rev="7200000"/>
+            </a:lightRig>
+          </a:scene3d>
+          <a:sp3d>
+            <a:bevelT w="25400" h="19050"/>
+            <a:contourClr>
+              <a:srgbClr val="FFFFFF"/>
+            </a:contourClr>
+          </a:sp3d>
+        </p:spPr>
+      </p:pic>
+      <p:grpSp>
+        <p:nvGrpSpPr>
+          <p:cNvPr id="6" name="组合 5">
+            <a:extLst>
+              <a:ext uri="{FF2B5EF4-FFF2-40B4-BE49-F238E27FC236}">
+                <a16:creationId xmlns:a16="http://schemas.microsoft.com/office/drawing/2014/main" id="{2A7411BD-7BB5-AED3-CA88-B0A264C16C4E}"/>
+              </a:ext>
+            </a:extLst>
+          </p:cNvPr>
+          <p:cNvGrpSpPr/>
+          <p:nvPr/>
+        </p:nvGrpSpPr>
+        <p:grpSpPr>
+          <a:xfrm>
+            <a:off x="2440801" y="-1"/>
+            <a:ext cx="7172400" cy="2345805"/>
+            <a:chOff x="2440801" y="-1"/>
+            <a:chExt cx="7172400" cy="2345805"/>
+          </a:xfrm>
+        </p:grpSpPr>
+        <p:sp>
+          <p:nvSpPr>
+            <p:cNvPr id="16" name="矩形 15">
+              <a:extLst>
+                <a:ext uri="{FF2B5EF4-FFF2-40B4-BE49-F238E27FC236}">
+                  <a16:creationId xmlns:a16="http://schemas.microsoft.com/office/drawing/2014/main" id="{1BBBBE36-050E-C2A4-92C8-883CFD7022A7}"/>
+                </a:ext>
+              </a:extLst>
+            </p:cNvPr>
+            <p:cNvSpPr/>
+            <p:nvPr/>
+          </p:nvSpPr>
+          <p:spPr>
+            <a:xfrm>
+              <a:off x="2440801" y="1268582"/>
+              <a:ext cx="7172400" cy="1077222"/>
+            </a:xfrm>
+            <a:prstGeom prst="rect">
+              <a:avLst/>
+            </a:prstGeom>
+            <a:noFill/>
+          </p:spPr>
+          <p:txBody>
+            <a:bodyPr wrap="square" lIns="60959" tIns="30482" rIns="60959" bIns="30482">
+              <a:spAutoFit/>
+            </a:bodyPr>
+            <a:lstStyle/>
+            <a:p>
+              <a:pPr algn="ctr"/>
+              <a:r>
+                <a:rPr lang="zh-CN" altLang="en-US" sz="6600" dirty="0">
+                  <a:ln w="0"/>
+                  <a:effectLst>
+                    <a:outerShdw blurRad="38100" dist="19050" dir="2700000" algn="tl" rotWithShape="0">
+                      <a:schemeClr val="dk1">
+                        <a:alpha val="40000"/>
+                      </a:schemeClr>
+                    </a:outerShdw>
+                  </a:effectLst>
+                  <a:latin typeface="微软雅黑" panose="020B0503020204020204" pitchFamily="34" charset="-122"/>
+                  <a:ea typeface="微软雅黑" panose="020B0503020204020204" pitchFamily="34" charset="-122"/>
+                </a:rPr>
+                <a:t>笔记本电脑</a:t>
+              </a:r>
+              <a:endParaRPr lang="zh-CN" altLang="en-US" sz="6600" i="1" dirty="0">
+                <a:ln w="0"/>
+                <a:effectLst>
+                  <a:outerShdw blurRad="38100" dist="19050" dir="2700000" algn="tl" rotWithShape="0">
+                    <a:schemeClr val="dk1">
+                      <a:alpha val="40000"/>
+                    </a:schemeClr>
+                  </a:outerShdw>
+                </a:effectLst>
+                <a:latin typeface="微软雅黑" panose="020B0503020204020204" pitchFamily="34" charset="-122"/>
+                <a:ea typeface="微软雅黑" panose="020B0503020204020204" pitchFamily="34" charset="-122"/>
+              </a:endParaRPr>
+            </a:p>
+          </p:txBody>
+        </p:sp>
+        <p:sp>
+          <p:nvSpPr>
+            <p:cNvPr id="17" name="文本框 16">
+              <a:extLst>
+                <a:ext uri="{FF2B5EF4-FFF2-40B4-BE49-F238E27FC236}">
+                  <a16:creationId xmlns:a16="http://schemas.microsoft.com/office/drawing/2014/main" id="{D0F4150F-9D0A-1254-A983-F3D09DFF4AC7}"/>
+                </a:ext>
+              </a:extLst>
+            </p:cNvPr>
+            <p:cNvSpPr txBox="1"/>
+            <p:nvPr/>
+          </p:nvSpPr>
+          <p:spPr>
+            <a:xfrm>
+              <a:off x="2440801" y="-1"/>
+              <a:ext cx="7172400" cy="1200329"/>
+            </a:xfrm>
+            <a:prstGeom prst="rect">
+              <a:avLst/>
+            </a:prstGeom>
+            <a:noFill/>
+          </p:spPr>
+          <p:txBody>
+            <a:bodyPr wrap="square">
+              <a:spAutoFit/>
+            </a:bodyPr>
+            <a:lstStyle/>
+            <a:p>
+              <a:pPr algn="ctr"/>
+              <a:r>
+                <a:rPr lang="zh-CN" altLang="en-US" sz="7200" dirty="0">
+                  <a:ln w="0"/>
+                  <a:effectLst>
+                    <a:outerShdw blurRad="38100" dist="19050" dir="2700000" algn="tl" rotWithShape="0">
+                      <a:schemeClr val="dk1">
+                        <a:alpha val="40000"/>
+                      </a:schemeClr>
+                    </a:outerShdw>
+                  </a:effectLst>
+                  <a:latin typeface="汉仪小隶书简" panose="02010609000101010101" pitchFamily="49" charset="-122"/>
+                  <a:ea typeface="汉仪小隶书简" panose="02010609000101010101" pitchFamily="49" charset="-122"/>
+                </a:rPr>
+                <a:t>多系统小王子</a:t>
+              </a:r>
+              <a:endParaRPr lang="zh-CN" altLang="en-US" sz="7200" dirty="0">
+                <a:latin typeface="汉仪小隶书简" panose="02010609000101010101" pitchFamily="49" charset="-122"/>
+                <a:ea typeface="汉仪小隶书简" panose="02010609000101010101" pitchFamily="49" charset="-122"/>
+              </a:endParaRPr>
+            </a:p>
+          </p:txBody>
+        </p:sp>
+        <p:pic>
+          <p:nvPicPr>
+            <p:cNvPr id="5" name="图片 4">
+              <a:extLst>
+                <a:ext uri="{FF2B5EF4-FFF2-40B4-BE49-F238E27FC236}">
+                  <a16:creationId xmlns:a16="http://schemas.microsoft.com/office/drawing/2014/main" id="{33131930-A1AA-BA7B-0C5A-0FCCA3B08D0E}"/>
+                </a:ext>
+              </a:extLst>
+            </p:cNvPr>
+            <p:cNvPicPr>
+              <a:picLocks noChangeAspect="1"/>
+            </p:cNvPicPr>
+            <p:nvPr/>
+          </p:nvPicPr>
+          <p:blipFill>
+            <a:blip r:embed="rId6"/>
+            <a:stretch>
+              <a:fillRect/>
+            </a:stretch>
+          </p:blipFill>
+          <p:spPr>
+            <a:xfrm>
+              <a:off x="5380769" y="649784"/>
+              <a:ext cx="1292464" cy="1237595"/>
+            </a:xfrm>
+            <a:prstGeom prst="rect">
+              <a:avLst/>
+            </a:prstGeom>
+          </p:spPr>
+        </p:pic>
+      </p:grpSp>
+    </p:spTree>
+    <p:extLst>
+      <p:ext uri="{BB962C8B-B14F-4D97-AF65-F5344CB8AC3E}">
+        <p14:creationId xmlns:p14="http://schemas.microsoft.com/office/powerpoint/2010/main" val="319285040"/>
+      </p:ext>
+    </p:extLst>
+  </p:cSld>
+  <p:clrMapOvr>
+    <a:masterClrMapping/>
+  </p:clrMapOvr>
+</p:sld>
+</file>
+
+<file path=ppt/slides/slide5.xml><?xml version="1.0" encoding="utf-8"?>
+<p:sld xmlns:a="http://schemas.openxmlformats.org/drawingml/2006/main" xmlns:r="http://schemas.openxmlformats.org/officeDocument/2006/relationships" xmlns:p="http://schemas.openxmlformats.org/presentationml/2006/main">
+  <p:cSld>
+    <p:spTree>
+      <p:nvGrpSpPr>
+        <p:cNvPr id="1" name=""/>
+        <p:cNvGrpSpPr/>
+        <p:nvPr/>
+      </p:nvGrpSpPr>
+      <p:grpSpPr>
+        <a:xfrm>
+          <a:off x="0" y="0"/>
+          <a:ext cx="0" cy="0"/>
+          <a:chOff x="0" y="0"/>
+          <a:chExt cx="0" cy="0"/>
+        </a:xfrm>
+      </p:grpSpPr>
+      <p:sp>
+        <p:nvSpPr>
+          <p:cNvPr id="4" name="矩形 3">
+            <a:extLst>
+              <a:ext uri="{FF2B5EF4-FFF2-40B4-BE49-F238E27FC236}">
+                <a16:creationId xmlns:a16="http://schemas.microsoft.com/office/drawing/2014/main" id="{04D5A55C-26D4-4987-B350-B44AC750FD89}"/>
+              </a:ext>
+            </a:extLst>
+          </p:cNvPr>
+          <p:cNvSpPr>
+            <a:spLocks noChangeAspect="1"/>
+          </p:cNvSpPr>
+          <p:nvPr/>
+        </p:nvSpPr>
+        <p:spPr>
+          <a:xfrm>
+            <a:off x="140400" y="139200"/>
+            <a:ext cx="2160000" cy="2160000"/>
+          </a:xfrm>
+          <a:prstGeom prst="rect">
+            <a:avLst/>
+          </a:prstGeom>
+          <a:noFill/>
+        </p:spPr>
+        <p:style>
+          <a:lnRef idx="2">
+            <a:schemeClr val="accent1">
+              <a:shade val="50000"/>
+            </a:schemeClr>
+          </a:lnRef>
+          <a:fillRef idx="1">
+            <a:schemeClr val="accent1"/>
+          </a:fillRef>
+          <a:effectRef idx="0">
+            <a:schemeClr val="accent1"/>
+          </a:effectRef>
+          <a:fontRef idx="minor">
+            <a:schemeClr val="lt1"/>
+          </a:fontRef>
+        </p:style>
+        <p:txBody>
+          <a:bodyPr rtlCol="0" anchor="ctr"/>
+          <a:lstStyle/>
+          <a:p>
+            <a:pPr algn="ctr"/>
+            <a:r>
+              <a:rPr lang="zh-CN" altLang="en-US" sz="4400" dirty="0">
+                <a:solidFill>
+                  <a:schemeClr val="tx1"/>
+                </a:solidFill>
+              </a:rPr>
+              <a:t>頭像</a:t>
+            </a:r>
+          </a:p>
+        </p:txBody>
+      </p:sp>
+      <p:pic>
+        <p:nvPicPr>
+          <p:cNvPr id="8" name="图片 7">
+            <a:extLst>
+              <a:ext uri="{FF2B5EF4-FFF2-40B4-BE49-F238E27FC236}">
+                <a16:creationId xmlns:a16="http://schemas.microsoft.com/office/drawing/2014/main" id="{6BFD7D43-879E-3AB9-1B60-56803EBADD4C}"/>
+              </a:ext>
+            </a:extLst>
+          </p:cNvPr>
+          <p:cNvPicPr>
+            <a:picLocks noChangeAspect="1"/>
+          </p:cNvPicPr>
+          <p:nvPr/>
+        </p:nvPicPr>
+        <p:blipFill rotWithShape="1">
+          <a:blip r:embed="rId3"/>
+          <a:srcRect l="3770" t="23990" r="2810" b="31240"/>
+          <a:stretch/>
+        </p:blipFill>
+        <p:spPr>
+          <a:xfrm>
+            <a:off x="0" y="0"/>
+            <a:ext cx="2762250" cy="139200"/>
+          </a:xfrm>
+          <a:prstGeom prst="rect">
+            <a:avLst/>
+          </a:prstGeom>
+        </p:spPr>
+      </p:pic>
+      <p:pic>
+        <p:nvPicPr>
+          <p:cNvPr id="9" name="图片 8">
+            <a:extLst>
+              <a:ext uri="{FF2B5EF4-FFF2-40B4-BE49-F238E27FC236}">
+                <a16:creationId xmlns:a16="http://schemas.microsoft.com/office/drawing/2014/main" id="{15FF3894-0F9C-8701-8B4F-DC1291258574}"/>
+              </a:ext>
+            </a:extLst>
+          </p:cNvPr>
+          <p:cNvPicPr>
+            <a:picLocks noChangeAspect="1"/>
+          </p:cNvPicPr>
+          <p:nvPr/>
+        </p:nvPicPr>
+        <p:blipFill rotWithShape="1">
+          <a:blip r:embed="rId4"/>
+          <a:srcRect l="15229" t="23478" r="14924" b="25445"/>
+          <a:stretch/>
+        </p:blipFill>
+        <p:spPr>
+          <a:xfrm>
+            <a:off x="8667751" y="-1"/>
+            <a:ext cx="1085850" cy="161925"/>
+          </a:xfrm>
+          <a:prstGeom prst="rect">
+            <a:avLst/>
+          </a:prstGeom>
+        </p:spPr>
+      </p:pic>
+      <p:grpSp>
+        <p:nvGrpSpPr>
+          <p:cNvPr id="2" name="组合 1">
+            <a:extLst>
+              <a:ext uri="{FF2B5EF4-FFF2-40B4-BE49-F238E27FC236}">
+                <a16:creationId xmlns:a16="http://schemas.microsoft.com/office/drawing/2014/main" id="{BFB91B1D-7513-F9C0-7803-B3C475F8A15F}"/>
+              </a:ext>
+            </a:extLst>
+          </p:cNvPr>
+          <p:cNvGrpSpPr/>
+          <p:nvPr/>
+        </p:nvGrpSpPr>
+        <p:grpSpPr>
+          <a:xfrm>
+            <a:off x="2440801" y="-1"/>
+            <a:ext cx="7172400" cy="2345805"/>
+            <a:chOff x="2440801" y="-1"/>
+            <a:chExt cx="7172400" cy="2345805"/>
+          </a:xfrm>
+        </p:grpSpPr>
+        <p:sp>
+          <p:nvSpPr>
+            <p:cNvPr id="5" name="矩形 4">
+              <a:extLst>
+                <a:ext uri="{FF2B5EF4-FFF2-40B4-BE49-F238E27FC236}">
+                  <a16:creationId xmlns:a16="http://schemas.microsoft.com/office/drawing/2014/main" id="{C7E85552-99D3-B392-9B82-78509D858DF0}"/>
+                </a:ext>
+              </a:extLst>
+            </p:cNvPr>
+            <p:cNvSpPr/>
+            <p:nvPr/>
+          </p:nvSpPr>
+          <p:spPr>
+            <a:xfrm>
+              <a:off x="2440801" y="1268582"/>
+              <a:ext cx="7172400" cy="1077222"/>
+            </a:xfrm>
+            <a:prstGeom prst="rect">
+              <a:avLst/>
+            </a:prstGeom>
+            <a:noFill/>
+          </p:spPr>
+          <p:txBody>
+            <a:bodyPr wrap="square" lIns="60959" tIns="30482" rIns="60959" bIns="30482">
+              <a:spAutoFit/>
+            </a:bodyPr>
+            <a:lstStyle/>
+            <a:p>
+              <a:pPr algn="ctr"/>
+              <a:r>
+                <a:rPr lang="zh-TW" altLang="en-US" sz="6600" dirty="0">
+                  <a:ln w="0"/>
+                  <a:effectLst>
+                    <a:outerShdw blurRad="38100" dist="19050" dir="2700000" algn="tl" rotWithShape="0">
+                      <a:schemeClr val="dk1">
+                        <a:alpha val="40000"/>
+                      </a:schemeClr>
+                    </a:outerShdw>
+                  </a:effectLst>
+                  <a:latin typeface="微软雅黑" panose="020B0503020204020204" pitchFamily="34" charset="-122"/>
+                  <a:ea typeface="微软雅黑" panose="020B0503020204020204" pitchFamily="34" charset="-122"/>
+                </a:rPr>
+                <a:t>設備名稱或型號</a:t>
+              </a:r>
+              <a:endParaRPr lang="zh-CN" altLang="en-US" sz="6600" i="1" dirty="0">
+                <a:ln w="0"/>
+                <a:effectLst>
+                  <a:outerShdw blurRad="38100" dist="19050" dir="2700000" algn="tl" rotWithShape="0">
+                    <a:schemeClr val="dk1">
+                      <a:alpha val="40000"/>
+                    </a:schemeClr>
+                  </a:outerShdw>
+                </a:effectLst>
+                <a:latin typeface="微软雅黑" panose="020B0503020204020204" pitchFamily="34" charset="-122"/>
+                <a:ea typeface="微软雅黑" panose="020B0503020204020204" pitchFamily="34" charset="-122"/>
+              </a:endParaRPr>
+            </a:p>
+          </p:txBody>
+        </p:sp>
+        <p:sp>
+          <p:nvSpPr>
+            <p:cNvPr id="6" name="文本框 5">
+              <a:extLst>
+                <a:ext uri="{FF2B5EF4-FFF2-40B4-BE49-F238E27FC236}">
+                  <a16:creationId xmlns:a16="http://schemas.microsoft.com/office/drawing/2014/main" id="{DCF100E5-4FB5-FE04-46BC-DE53A7ED69D9}"/>
+                </a:ext>
+              </a:extLst>
+            </p:cNvPr>
+            <p:cNvSpPr txBox="1"/>
+            <p:nvPr/>
+          </p:nvSpPr>
+          <p:spPr>
+            <a:xfrm>
+              <a:off x="2440801" y="-1"/>
+              <a:ext cx="7172400" cy="1200329"/>
+            </a:xfrm>
+            <a:prstGeom prst="rect">
+              <a:avLst/>
+            </a:prstGeom>
+            <a:noFill/>
+          </p:spPr>
+          <p:txBody>
+            <a:bodyPr wrap="square">
+              <a:spAutoFit/>
+            </a:bodyPr>
+            <a:lstStyle/>
+            <a:p>
+              <a:pPr algn="ctr"/>
+              <a:r>
+                <a:rPr lang="zh-CN" altLang="en-US" sz="7200" dirty="0">
+                  <a:ln w="0"/>
+                  <a:effectLst>
+                    <a:outerShdw blurRad="38100" dist="19050" dir="2700000" algn="tl" rotWithShape="0">
+                      <a:schemeClr val="dk1">
+                        <a:alpha val="40000"/>
+                      </a:schemeClr>
+                    </a:outerShdw>
+                  </a:effectLst>
+                  <a:latin typeface="汉仪小隶书繁" panose="02010609000101010101" pitchFamily="49" charset="-122"/>
+                  <a:ea typeface="汉仪小隶书繁" panose="02010609000101010101" pitchFamily="49" charset="-122"/>
+                </a:rPr>
+                <a:t>姓名或昵称</a:t>
+              </a:r>
+              <a:endParaRPr lang="zh-CN" altLang="en-US" sz="7200" dirty="0">
+                <a:latin typeface="汉仪小隶书繁" panose="02010609000101010101" pitchFamily="49" charset="-122"/>
+                <a:ea typeface="汉仪小隶书繁" panose="02010609000101010101" pitchFamily="49" charset="-122"/>
+              </a:endParaRPr>
+            </a:p>
+          </p:txBody>
+        </p:sp>
+        <p:pic>
+          <p:nvPicPr>
+            <p:cNvPr id="7" name="图片 6">
+              <a:extLst>
+                <a:ext uri="{FF2B5EF4-FFF2-40B4-BE49-F238E27FC236}">
+                  <a16:creationId xmlns:a16="http://schemas.microsoft.com/office/drawing/2014/main" id="{1F28957D-7291-A5A1-4B3D-E66EB25E3E03}"/>
+                </a:ext>
+              </a:extLst>
+            </p:cNvPr>
+            <p:cNvPicPr>
+              <a:picLocks noChangeAspect="1"/>
+            </p:cNvPicPr>
+            <p:nvPr/>
+          </p:nvPicPr>
+          <p:blipFill>
+            <a:blip r:embed="rId5"/>
+            <a:stretch>
+              <a:fillRect/>
+            </a:stretch>
+          </p:blipFill>
+          <p:spPr>
+            <a:xfrm>
+              <a:off x="5380769" y="649784"/>
+              <a:ext cx="1292464" cy="1237595"/>
+            </a:xfrm>
+            <a:prstGeom prst="rect">
+              <a:avLst/>
+            </a:prstGeom>
+          </p:spPr>
+        </p:pic>
+      </p:grpSp>
+      <p:sp>
+        <p:nvSpPr>
+          <p:cNvPr id="10" name="文本框 9">
+            <a:extLst>
+              <a:ext uri="{FF2B5EF4-FFF2-40B4-BE49-F238E27FC236}">
+                <a16:creationId xmlns:a16="http://schemas.microsoft.com/office/drawing/2014/main" id="{8B9333DF-E792-31FF-D522-A3A50F0902B6}"/>
+              </a:ext>
+            </a:extLst>
+          </p:cNvPr>
+          <p:cNvSpPr txBox="1"/>
+          <p:nvPr/>
+        </p:nvSpPr>
+        <p:spPr>
+          <a:xfrm>
+            <a:off x="2762251" y="-1725702"/>
+            <a:ext cx="720000" cy="720000"/>
+          </a:xfrm>
+          <a:prstGeom prst="rect">
+            <a:avLst/>
+          </a:prstGeom>
+          <a:noFill/>
+        </p:spPr>
+        <p:txBody>
+          <a:bodyPr wrap="square">
+            <a:spAutoFit/>
+          </a:bodyPr>
+          <a:lstStyle/>
+          <a:p>
+            <a:pPr algn="ctr"/>
+            <a:r>
+              <a:rPr lang="zh-CN" altLang="en-US" sz="4400" dirty="0">
+                <a:ln w="0"/>
+                <a:solidFill>
+                  <a:srgbClr val="006BC6"/>
+                </a:solidFill>
+                <a:effectLst>
+                  <a:outerShdw blurRad="38100" dist="19050" dir="2700000" algn="tl" rotWithShape="0">
+                    <a:schemeClr val="dk1">
+                      <a:alpha val="40000"/>
+                    </a:schemeClr>
+                  </a:outerShdw>
+                </a:effectLst>
+                <a:latin typeface="宋体" panose="02010600030101010101" pitchFamily="2" charset="-122"/>
+                <a:ea typeface="宋体" panose="02010600030101010101" pitchFamily="2" charset="-122"/>
+              </a:rPr>
+              <a:t>的</a:t>
+            </a:r>
+            <a:endParaRPr lang="zh-CN" altLang="en-US" sz="4400" dirty="0">
+              <a:latin typeface="宋体" panose="02010600030101010101" pitchFamily="2" charset="-122"/>
+              <a:ea typeface="宋体" panose="02010600030101010101" pitchFamily="2" charset="-122"/>
+            </a:endParaRPr>
+          </a:p>
+        </p:txBody>
+      </p:sp>
+    </p:spTree>
+    <p:extLst>
+      <p:ext uri="{BB962C8B-B14F-4D97-AF65-F5344CB8AC3E}">
+        <p14:creationId xmlns:p14="http://schemas.microsoft.com/office/powerpoint/2010/main" val="2674922135"/>
+      </p:ext>
+    </p:extLst>
+  </p:cSld>
+  <p:clrMapOvr>
+    <a:masterClrMapping/>
+  </p:clrMapOvr>
+</p:sld>
+</file>
+
+<file path=ppt/slides/slide6.xml><?xml version="1.0" encoding="utf-8"?>
+<p:sld xmlns:a="http://schemas.openxmlformats.org/drawingml/2006/main" xmlns:r="http://schemas.openxmlformats.org/officeDocument/2006/relationships" xmlns:p="http://schemas.openxmlformats.org/presentationml/2006/main">
+  <p:cSld>
+    <p:spTree>
+      <p:nvGrpSpPr>
+        <p:cNvPr id="1" name=""/>
+        <p:cNvGrpSpPr/>
+        <p:nvPr/>
+      </p:nvGrpSpPr>
+      <p:grpSpPr>
+        <a:xfrm>
+          <a:off x="0" y="0"/>
+          <a:ext cx="0" cy="0"/>
+          <a:chOff x="0" y="0"/>
+          <a:chExt cx="0" cy="0"/>
+        </a:xfrm>
+      </p:grpSpPr>
+      <p:sp>
+        <p:nvSpPr>
+          <p:cNvPr id="4" name="矩形 3">
+            <a:extLst>
+              <a:ext uri="{FF2B5EF4-FFF2-40B4-BE49-F238E27FC236}">
+                <a16:creationId xmlns:a16="http://schemas.microsoft.com/office/drawing/2014/main" id="{04D5A55C-26D4-4987-B350-B44AC750FD89}"/>
+              </a:ext>
+            </a:extLst>
+          </p:cNvPr>
+          <p:cNvSpPr>
+            <a:spLocks noChangeAspect="1"/>
+          </p:cNvSpPr>
+          <p:nvPr/>
+        </p:nvSpPr>
+        <p:spPr>
+          <a:xfrm>
+            <a:off x="140400" y="139200"/>
+            <a:ext cx="2160000" cy="2160000"/>
+          </a:xfrm>
+          <a:prstGeom prst="rect">
+            <a:avLst/>
+          </a:prstGeom>
+          <a:noFill/>
+        </p:spPr>
+        <p:style>
+          <a:lnRef idx="2">
+            <a:schemeClr val="accent1">
+              <a:shade val="50000"/>
+            </a:schemeClr>
+          </a:lnRef>
+          <a:fillRef idx="1">
+            <a:schemeClr val="accent1"/>
+          </a:fillRef>
+          <a:effectRef idx="0">
+            <a:schemeClr val="accent1"/>
+          </a:effectRef>
+          <a:fontRef idx="minor">
+            <a:schemeClr val="lt1"/>
+          </a:fontRef>
+        </p:style>
+        <p:txBody>
+          <a:bodyPr rtlCol="0" anchor="ctr"/>
+          <a:lstStyle/>
+          <a:p>
+            <a:pPr algn="ctr"/>
+            <a:r>
+              <a:rPr lang="en-US" altLang="zh-CN" sz="4400" dirty="0">
+                <a:solidFill>
+                  <a:schemeClr val="tx1"/>
+                </a:solidFill>
+              </a:rPr>
+              <a:t>profile</a:t>
+            </a:r>
+            <a:endParaRPr lang="zh-CN" altLang="en-US" sz="4400" dirty="0">
+              <a:solidFill>
+                <a:schemeClr val="tx1"/>
+              </a:solidFill>
+            </a:endParaRPr>
+          </a:p>
+        </p:txBody>
+      </p:sp>
+      <p:pic>
+        <p:nvPicPr>
+          <p:cNvPr id="8" name="图片 7">
+            <a:extLst>
+              <a:ext uri="{FF2B5EF4-FFF2-40B4-BE49-F238E27FC236}">
+                <a16:creationId xmlns:a16="http://schemas.microsoft.com/office/drawing/2014/main" id="{6BFD7D43-879E-3AB9-1B60-56803EBADD4C}"/>
+              </a:ext>
+            </a:extLst>
+          </p:cNvPr>
+          <p:cNvPicPr>
+            <a:picLocks noChangeAspect="1"/>
+          </p:cNvPicPr>
+          <p:nvPr/>
+        </p:nvPicPr>
+        <p:blipFill rotWithShape="1">
+          <a:blip r:embed="rId3"/>
+          <a:srcRect l="3770" t="23990" r="2810" b="31240"/>
+          <a:stretch/>
+        </p:blipFill>
+        <p:spPr>
+          <a:xfrm>
+            <a:off x="0" y="0"/>
+            <a:ext cx="2762250" cy="139200"/>
+          </a:xfrm>
+          <a:prstGeom prst="rect">
+            <a:avLst/>
+          </a:prstGeom>
+        </p:spPr>
+      </p:pic>
+      <p:pic>
+        <p:nvPicPr>
+          <p:cNvPr id="9" name="图片 8">
+            <a:extLst>
+              <a:ext uri="{FF2B5EF4-FFF2-40B4-BE49-F238E27FC236}">
+                <a16:creationId xmlns:a16="http://schemas.microsoft.com/office/drawing/2014/main" id="{15FF3894-0F9C-8701-8B4F-DC1291258574}"/>
+              </a:ext>
+            </a:extLst>
+          </p:cNvPr>
+          <p:cNvPicPr>
+            <a:picLocks noChangeAspect="1"/>
+          </p:cNvPicPr>
+          <p:nvPr/>
+        </p:nvPicPr>
+        <p:blipFill rotWithShape="1">
+          <a:blip r:embed="rId4"/>
+          <a:srcRect l="15229" t="23478" r="14924" b="25445"/>
+          <a:stretch/>
+        </p:blipFill>
+        <p:spPr>
+          <a:xfrm>
+            <a:off x="8667751" y="-1"/>
+            <a:ext cx="1085850" cy="161925"/>
+          </a:xfrm>
+          <a:prstGeom prst="rect">
+            <a:avLst/>
+          </a:prstGeom>
+        </p:spPr>
+      </p:pic>
+      <p:pic>
+        <p:nvPicPr>
+          <p:cNvPr id="11" name="图片 10">
+            <a:extLst>
+              <a:ext uri="{FF2B5EF4-FFF2-40B4-BE49-F238E27FC236}">
+                <a16:creationId xmlns:a16="http://schemas.microsoft.com/office/drawing/2014/main" id="{FBDFD17D-7827-BF91-560A-5A37B808265A}"/>
+              </a:ext>
+            </a:extLst>
+          </p:cNvPr>
+          <p:cNvPicPr>
+            <a:picLocks noChangeAspect="1"/>
+          </p:cNvPicPr>
+          <p:nvPr/>
+        </p:nvPicPr>
+        <p:blipFill>
+          <a:blip r:embed="rId5">
+            <a:extLst>
+              <a:ext uri="{28A0092B-C50C-407E-A947-70E740481C1C}">
+                <a14:useLocalDpi xmlns:a14="http://schemas.microsoft.com/office/drawing/2010/main" val="0"/>
+              </a:ext>
+            </a:extLst>
+          </a:blip>
+          <a:stretch>
+            <a:fillRect/>
+          </a:stretch>
+        </p:blipFill>
+        <p:spPr>
+          <a:xfrm>
+            <a:off x="140399" y="161924"/>
+            <a:ext cx="2160000" cy="2160000"/>
+          </a:xfrm>
+          <a:prstGeom prst="rect">
+            <a:avLst/>
+          </a:prstGeom>
+          <a:solidFill>
+            <a:srgbClr val="FFFFFF">
+              <a:shade val="85000"/>
+            </a:srgbClr>
+          </a:solidFill>
+          <a:ln w="88900" cap="sq">
+            <a:solidFill>
+              <a:srgbClr val="FFFFFF"/>
+            </a:solidFill>
+            <a:miter lim="800000"/>
+          </a:ln>
+          <a:effectLst>
+            <a:outerShdw blurRad="55000" dist="18000" dir="5400000" algn="tl" rotWithShape="0">
+              <a:srgbClr val="000000">
+                <a:alpha val="40000"/>
+              </a:srgbClr>
+            </a:outerShdw>
+          </a:effectLst>
+          <a:scene3d>
+            <a:camera prst="orthographicFront"/>
+            <a:lightRig rig="twoPt" dir="t">
+              <a:rot lat="0" lon="0" rev="7200000"/>
+            </a:lightRig>
+          </a:scene3d>
+          <a:sp3d>
+            <a:bevelT w="25400" h="19050"/>
+            <a:contourClr>
+              <a:srgbClr val="FFFFFF"/>
+            </a:contourClr>
+          </a:sp3d>
+        </p:spPr>
+      </p:pic>
+      <p:grpSp>
+        <p:nvGrpSpPr>
+          <p:cNvPr id="6" name="组合 5">
+            <a:extLst>
+              <a:ext uri="{FF2B5EF4-FFF2-40B4-BE49-F238E27FC236}">
+                <a16:creationId xmlns:a16="http://schemas.microsoft.com/office/drawing/2014/main" id="{2A7411BD-7BB5-AED3-CA88-B0A264C16C4E}"/>
+              </a:ext>
+            </a:extLst>
+          </p:cNvPr>
+          <p:cNvGrpSpPr/>
+          <p:nvPr/>
+        </p:nvGrpSpPr>
+        <p:grpSpPr>
+          <a:xfrm>
+            <a:off x="2440801" y="-1"/>
+            <a:ext cx="7172400" cy="2345805"/>
+            <a:chOff x="2440801" y="-1"/>
+            <a:chExt cx="7172400" cy="2345805"/>
+          </a:xfrm>
+        </p:grpSpPr>
+        <p:sp>
+          <p:nvSpPr>
+            <p:cNvPr id="16" name="矩形 15">
+              <a:extLst>
+                <a:ext uri="{FF2B5EF4-FFF2-40B4-BE49-F238E27FC236}">
+                  <a16:creationId xmlns:a16="http://schemas.microsoft.com/office/drawing/2014/main" id="{1BBBBE36-050E-C2A4-92C8-883CFD7022A7}"/>
+                </a:ext>
+              </a:extLst>
+            </p:cNvPr>
+            <p:cNvSpPr/>
+            <p:nvPr/>
+          </p:nvSpPr>
+          <p:spPr>
+            <a:xfrm>
+              <a:off x="2440801" y="1268582"/>
+              <a:ext cx="7172400" cy="1077222"/>
+            </a:xfrm>
+            <a:prstGeom prst="rect">
+              <a:avLst/>
+            </a:prstGeom>
+            <a:noFill/>
+          </p:spPr>
+          <p:txBody>
+            <a:bodyPr wrap="square" lIns="60959" tIns="30482" rIns="60959" bIns="30482">
+              <a:spAutoFit/>
+            </a:bodyPr>
+            <a:lstStyle/>
+            <a:p>
+              <a:pPr algn="ctr"/>
+              <a:r>
+                <a:rPr lang="zh-CN" altLang="en-US" sz="6600" dirty="0">
+                  <a:ln w="0"/>
+                  <a:effectLst>
+                    <a:outerShdw blurRad="38100" dist="19050" dir="2700000" algn="tl" rotWithShape="0">
+                      <a:schemeClr val="dk1">
+                        <a:alpha val="40000"/>
+                      </a:schemeClr>
+                    </a:outerShdw>
+                  </a:effectLst>
+                  <a:latin typeface="微软雅黑" panose="020B0503020204020204" pitchFamily="34" charset="-122"/>
+                  <a:ea typeface="微软雅黑" panose="020B0503020204020204" pitchFamily="34" charset="-122"/>
+                </a:rPr>
+                <a:t>筆記本電腦</a:t>
+              </a:r>
+              <a:endParaRPr lang="zh-CN" altLang="en-US" sz="6600" i="1" dirty="0">
+                <a:ln w="0"/>
+                <a:effectLst>
+                  <a:outerShdw blurRad="38100" dist="19050" dir="2700000" algn="tl" rotWithShape="0">
+                    <a:schemeClr val="dk1">
+                      <a:alpha val="40000"/>
+                    </a:schemeClr>
+                  </a:outerShdw>
+                </a:effectLst>
+                <a:latin typeface="微软雅黑" panose="020B0503020204020204" pitchFamily="34" charset="-122"/>
+                <a:ea typeface="微软雅黑" panose="020B0503020204020204" pitchFamily="34" charset="-122"/>
+              </a:endParaRPr>
+            </a:p>
+          </p:txBody>
+        </p:sp>
+        <p:sp>
+          <p:nvSpPr>
+            <p:cNvPr id="17" name="文本框 16">
+              <a:extLst>
+                <a:ext uri="{FF2B5EF4-FFF2-40B4-BE49-F238E27FC236}">
+                  <a16:creationId xmlns:a16="http://schemas.microsoft.com/office/drawing/2014/main" id="{D0F4150F-9D0A-1254-A983-F3D09DFF4AC7}"/>
+                </a:ext>
+              </a:extLst>
+            </p:cNvPr>
+            <p:cNvSpPr txBox="1"/>
+            <p:nvPr/>
+          </p:nvSpPr>
+          <p:spPr>
+            <a:xfrm>
+              <a:off x="2440801" y="-1"/>
+              <a:ext cx="7172400" cy="1200329"/>
+            </a:xfrm>
+            <a:prstGeom prst="rect">
+              <a:avLst/>
+            </a:prstGeom>
+            <a:noFill/>
+          </p:spPr>
+          <p:txBody>
+            <a:bodyPr wrap="square">
+              <a:spAutoFit/>
+            </a:bodyPr>
+            <a:lstStyle/>
+            <a:p>
+              <a:pPr algn="ctr"/>
+              <a:r>
+                <a:rPr lang="zh-CN" altLang="en-US" sz="7200" dirty="0">
+                  <a:ln w="0"/>
+                  <a:effectLst>
+                    <a:outerShdw blurRad="38100" dist="19050" dir="2700000" algn="tl" rotWithShape="0">
+                      <a:schemeClr val="dk1">
+                        <a:alpha val="40000"/>
+                      </a:schemeClr>
+                    </a:outerShdw>
+                  </a:effectLst>
+                  <a:latin typeface="汉仪小隶书繁" panose="02010609000101010101" pitchFamily="49" charset="-122"/>
+                  <a:ea typeface="汉仪小隶书繁" panose="02010609000101010101" pitchFamily="49" charset="-122"/>
+                </a:rPr>
+                <a:t>多系统小王子</a:t>
+              </a:r>
+              <a:endParaRPr lang="zh-CN" altLang="en-US" sz="7200" dirty="0">
+                <a:latin typeface="汉仪小隶书繁" panose="02010609000101010101" pitchFamily="49" charset="-122"/>
+                <a:ea typeface="汉仪小隶书繁" panose="02010609000101010101" pitchFamily="49" charset="-122"/>
+              </a:endParaRPr>
+            </a:p>
+          </p:txBody>
+        </p:sp>
+        <p:pic>
+          <p:nvPicPr>
+            <p:cNvPr id="5" name="图片 4">
+              <a:extLst>
+                <a:ext uri="{FF2B5EF4-FFF2-40B4-BE49-F238E27FC236}">
+                  <a16:creationId xmlns:a16="http://schemas.microsoft.com/office/drawing/2014/main" id="{33131930-A1AA-BA7B-0C5A-0FCCA3B08D0E}"/>
+                </a:ext>
+              </a:extLst>
+            </p:cNvPr>
+            <p:cNvPicPr>
+              <a:picLocks noChangeAspect="1"/>
+            </p:cNvPicPr>
+            <p:nvPr/>
+          </p:nvPicPr>
+          <p:blipFill>
+            <a:blip r:embed="rId6"/>
+            <a:stretch>
+              <a:fillRect/>
+            </a:stretch>
+          </p:blipFill>
+          <p:spPr>
+            <a:xfrm>
+              <a:off x="5380769" y="649784"/>
+              <a:ext cx="1292464" cy="1237595"/>
+            </a:xfrm>
+            <a:prstGeom prst="rect">
+              <a:avLst/>
+            </a:prstGeom>
+          </p:spPr>
+        </p:pic>
+      </p:grpSp>
+    </p:spTree>
+    <p:extLst>
+      <p:ext uri="{BB962C8B-B14F-4D97-AF65-F5344CB8AC3E}">
+        <p14:creationId xmlns:p14="http://schemas.microsoft.com/office/powerpoint/2010/main" val="1027300436"/>
+      </p:ext>
+    </p:extLst>
+  </p:cSld>
+  <p:clrMapOvr>
+    <a:masterClrMapping/>
+  </p:clrMapOvr>
+</p:sld>
+</file>
+
+<file path=ppt/slides/slide7.xml><?xml version="1.0" encoding="utf-8"?>
+<p:sld xmlns:a="http://schemas.openxmlformats.org/drawingml/2006/main" xmlns:r="http://schemas.openxmlformats.org/officeDocument/2006/relationships" xmlns:p="http://schemas.openxmlformats.org/presentationml/2006/main">
+  <p:cSld>
+    <p:spTree>
+      <p:nvGrpSpPr>
+        <p:cNvPr id="1" name=""/>
+        <p:cNvGrpSpPr/>
+        <p:nvPr/>
+      </p:nvGrpSpPr>
+      <p:grpSpPr>
+        <a:xfrm>
+          <a:off x="0" y="0"/>
+          <a:ext cx="0" cy="0"/>
+          <a:chOff x="0" y="0"/>
+          <a:chExt cx="0" cy="0"/>
+        </a:xfrm>
+      </p:grpSpPr>
+      <p:sp>
+        <p:nvSpPr>
+          <p:cNvPr id="4" name="矩形 3">
+            <a:extLst>
+              <a:ext uri="{FF2B5EF4-FFF2-40B4-BE49-F238E27FC236}">
+                <a16:creationId xmlns:a16="http://schemas.microsoft.com/office/drawing/2014/main" id="{04D5A55C-26D4-4987-B350-B44AC750FD89}"/>
+              </a:ext>
+            </a:extLst>
+          </p:cNvPr>
+          <p:cNvSpPr>
+            <a:spLocks noChangeAspect="1"/>
+          </p:cNvSpPr>
+          <p:nvPr/>
+        </p:nvSpPr>
+        <p:spPr>
+          <a:xfrm>
+            <a:off x="140400" y="139200"/>
+            <a:ext cx="2160000" cy="2160000"/>
+          </a:xfrm>
+          <a:prstGeom prst="rect">
+            <a:avLst/>
+          </a:prstGeom>
+          <a:noFill/>
+        </p:spPr>
+        <p:style>
+          <a:lnRef idx="2">
+            <a:schemeClr val="accent1">
+              <a:shade val="50000"/>
+            </a:schemeClr>
+          </a:lnRef>
+          <a:fillRef idx="1">
+            <a:schemeClr val="accent1"/>
+          </a:fillRef>
+          <a:effectRef idx="0">
+            <a:schemeClr val="accent1"/>
+          </a:effectRef>
+          <a:fontRef idx="minor">
+            <a:schemeClr val="lt1"/>
+          </a:fontRef>
+        </p:style>
+        <p:txBody>
+          <a:bodyPr rtlCol="0" anchor="ctr"/>
+          <a:lstStyle/>
+          <a:p>
+            <a:pPr algn="ctr"/>
+            <a:r>
               <a:rPr lang="en-US" altLang="zh-CN" sz="4400" dirty="0">
                 <a:solidFill>
                   <a:schemeClr val="tx1"/>
@@ -4724,7 +6557,7 @@
     </p:spTree>
     <p:extLst>
       <p:ext uri="{BB962C8B-B14F-4D97-AF65-F5344CB8AC3E}">
-        <p14:creationId xmlns:p14="http://schemas.microsoft.com/office/powerpoint/2010/main" val="4216610452"/>
+        <p14:creationId xmlns:p14="http://schemas.microsoft.com/office/powerpoint/2010/main" val="1425087144"/>
       </p:ext>
     </p:extLst>
   </p:cSld>
